--- a/presentation exoplanets detecting models.pptx
+++ b/presentation exoplanets detecting models.pptx
@@ -123,7 +123,7 @@
   <pc:docChgLst>
     <pc:chgData name="Priyanshu Gupta" userId="56553b5754d23a66" providerId="LiveId" clId="{7544FF5D-4852-49AC-A8B2-2C2ECA7AD00E}"/>
     <pc:docChg chg="undo custSel addSld delSld modSld sldOrd">
-      <pc:chgData name="Priyanshu Gupta" userId="56553b5754d23a66" providerId="LiveId" clId="{7544FF5D-4852-49AC-A8B2-2C2ECA7AD00E}" dt="2025-10-05T17:34:06.740" v="816" actId="1076"/>
+      <pc:chgData name="Priyanshu Gupta" userId="56553b5754d23a66" providerId="LiveId" clId="{7544FF5D-4852-49AC-A8B2-2C2ECA7AD00E}" dt="2025-10-05T17:49:21.031" v="835" actId="20577"/>
       <pc:docMkLst>
         <pc:docMk/>
       </pc:docMkLst>
@@ -198,13 +198,13 @@
         </pc:spChg>
       </pc:sldChg>
       <pc:sldChg chg="addSp modSp mod">
-        <pc:chgData name="Priyanshu Gupta" userId="56553b5754d23a66" providerId="LiveId" clId="{7544FF5D-4852-49AC-A8B2-2C2ECA7AD00E}" dt="2025-10-05T17:17:29.710" v="254" actId="20577"/>
+        <pc:chgData name="Priyanshu Gupta" userId="56553b5754d23a66" providerId="LiveId" clId="{7544FF5D-4852-49AC-A8B2-2C2ECA7AD00E}" dt="2025-10-05T17:49:21.031" v="835" actId="20577"/>
         <pc:sldMkLst>
           <pc:docMk/>
           <pc:sldMk cId="3817274781" sldId="260"/>
         </pc:sldMkLst>
         <pc:spChg chg="add mod">
-          <ac:chgData name="Priyanshu Gupta" userId="56553b5754d23a66" providerId="LiveId" clId="{7544FF5D-4852-49AC-A8B2-2C2ECA7AD00E}" dt="2025-10-05T17:17:29.710" v="254" actId="20577"/>
+          <ac:chgData name="Priyanshu Gupta" userId="56553b5754d23a66" providerId="LiveId" clId="{7544FF5D-4852-49AC-A8B2-2C2ECA7AD00E}" dt="2025-10-05T17:49:21.031" v="835" actId="20577"/>
           <ac:spMkLst>
             <pc:docMk/>
             <pc:sldMk cId="3817274781" sldId="260"/>
@@ -7598,7 +7598,7 @@
           <a:p>
             <a:r>
               <a:rPr lang="en-US" dirty="0"/>
-              <a:t>That’s likely intentional or acceptable, since the scientific cost of a </a:t>
+              <a:t>That is intentional and acceptable, since the scientific cost of a </a:t>
             </a:r>
             <a:r>
               <a:rPr lang="en-US" i="1" dirty="0"/>
